--- a/CEPH CRUSH ALGORITHM AND PLACEMENT GROUPS.pptx
+++ b/CEPH CRUSH ALGORITHM AND PLACEMENT GROUPS.pptx
@@ -5,8 +5,7 @@
     <p:sldMasterId id="2147483648" r:id="rId1"/>
   </p:sldMasterIdLst>
   <p:sldIdLst>
-    <p:sldId id="256" r:id="rId2"/>
-    <p:sldId id="258" r:id="rId3"/>
+    <p:sldId id="258" r:id="rId2"/>
   </p:sldIdLst>
   <p:sldSz cx="9144000" cy="6858000" type="screen4x3"/>
   <p:notesSz cx="6858000" cy="9144000"/>
@@ -109,9 +108,7 @@
     <p:ext uri="{521415D9-36F7-43E2-AB2F-B90AF26B5E84}">
       <p14:sectionLst xmlns:p14="http://schemas.microsoft.com/office/powerpoint/2010/main">
         <p14:section name="Default Section" id="{54395C13-1C7F-453D-8AAE-DB88F5830F77}">
-          <p14:sldIdLst>
-            <p14:sldId id="256"/>
-          </p14:sldIdLst>
+          <p14:sldIdLst/>
         </p14:section>
         <p14:section name="Untitled Section" id="{89CB9A03-100B-4FC4-9FDC-7D607FC332BA}">
           <p14:sldIdLst>
@@ -305,7 +302,7 @@
           <a:p>
             <a:fld id="{DD891226-30C4-45FB-88F9-3B126B22986F}" type="datetimeFigureOut">
               <a:rPr lang="en-US" smtClean="0"/>
-              <a:t>3/22/2018</a:t>
+              <a:t>2/9/2019</a:t>
             </a:fld>
             <a:endParaRPr lang="en-US"/>
           </a:p>
@@ -475,7 +472,7 @@
           <a:p>
             <a:fld id="{DD891226-30C4-45FB-88F9-3B126B22986F}" type="datetimeFigureOut">
               <a:rPr lang="en-US" smtClean="0"/>
-              <a:t>3/22/2018</a:t>
+              <a:t>2/9/2019</a:t>
             </a:fld>
             <a:endParaRPr lang="en-US"/>
           </a:p>
@@ -655,7 +652,7 @@
           <a:p>
             <a:fld id="{DD891226-30C4-45FB-88F9-3B126B22986F}" type="datetimeFigureOut">
               <a:rPr lang="en-US" smtClean="0"/>
-              <a:t>3/22/2018</a:t>
+              <a:t>2/9/2019</a:t>
             </a:fld>
             <a:endParaRPr lang="en-US"/>
           </a:p>
@@ -825,7 +822,7 @@
           <a:p>
             <a:fld id="{DD891226-30C4-45FB-88F9-3B126B22986F}" type="datetimeFigureOut">
               <a:rPr lang="en-US" smtClean="0"/>
-              <a:t>3/22/2018</a:t>
+              <a:t>2/9/2019</a:t>
             </a:fld>
             <a:endParaRPr lang="en-US"/>
           </a:p>
@@ -1071,7 +1068,7 @@
           <a:p>
             <a:fld id="{DD891226-30C4-45FB-88F9-3B126B22986F}" type="datetimeFigureOut">
               <a:rPr lang="en-US" smtClean="0"/>
-              <a:t>3/22/2018</a:t>
+              <a:t>2/9/2019</a:t>
             </a:fld>
             <a:endParaRPr lang="en-US"/>
           </a:p>
@@ -1359,7 +1356,7 @@
           <a:p>
             <a:fld id="{DD891226-30C4-45FB-88F9-3B126B22986F}" type="datetimeFigureOut">
               <a:rPr lang="en-US" smtClean="0"/>
-              <a:t>3/22/2018</a:t>
+              <a:t>2/9/2019</a:t>
             </a:fld>
             <a:endParaRPr lang="en-US"/>
           </a:p>
@@ -1781,7 +1778,7 @@
           <a:p>
             <a:fld id="{DD891226-30C4-45FB-88F9-3B126B22986F}" type="datetimeFigureOut">
               <a:rPr lang="en-US" smtClean="0"/>
-              <a:t>3/22/2018</a:t>
+              <a:t>2/9/2019</a:t>
             </a:fld>
             <a:endParaRPr lang="en-US"/>
           </a:p>
@@ -1899,7 +1896,7 @@
           <a:p>
             <a:fld id="{DD891226-30C4-45FB-88F9-3B126B22986F}" type="datetimeFigureOut">
               <a:rPr lang="en-US" smtClean="0"/>
-              <a:t>3/22/2018</a:t>
+              <a:t>2/9/2019</a:t>
             </a:fld>
             <a:endParaRPr lang="en-US"/>
           </a:p>
@@ -1994,7 +1991,7 @@
           <a:p>
             <a:fld id="{DD891226-30C4-45FB-88F9-3B126B22986F}" type="datetimeFigureOut">
               <a:rPr lang="en-US" smtClean="0"/>
-              <a:t>3/22/2018</a:t>
+              <a:t>2/9/2019</a:t>
             </a:fld>
             <a:endParaRPr lang="en-US"/>
           </a:p>
@@ -2271,7 +2268,7 @@
           <a:p>
             <a:fld id="{DD891226-30C4-45FB-88F9-3B126B22986F}" type="datetimeFigureOut">
               <a:rPr lang="en-US" smtClean="0"/>
-              <a:t>3/22/2018</a:t>
+              <a:t>2/9/2019</a:t>
             </a:fld>
             <a:endParaRPr lang="en-US"/>
           </a:p>
@@ -2524,7 +2521,7 @@
           <a:p>
             <a:fld id="{DD891226-30C4-45FB-88F9-3B126B22986F}" type="datetimeFigureOut">
               <a:rPr lang="en-US" smtClean="0"/>
-              <a:t>3/22/2018</a:t>
+              <a:t>2/9/2019</a:t>
             </a:fld>
             <a:endParaRPr lang="en-US"/>
           </a:p>
@@ -2737,7 +2734,7 @@
           <a:p>
             <a:fld id="{DD891226-30C4-45FB-88F9-3B126B22986F}" type="datetimeFigureOut">
               <a:rPr lang="en-US" smtClean="0"/>
-              <a:t>3/22/2018</a:t>
+              <a:t>2/9/2019</a:t>
             </a:fld>
             <a:endParaRPr lang="en-US"/>
           </a:p>
@@ -3096,78 +3093,6 @@
 </file>
 
 <file path=ppt/slides/slide1.xml><?xml version="1.0" encoding="utf-8"?>
-<p:sld xmlns:a="http://schemas.openxmlformats.org/drawingml/2006/main" xmlns:r="http://schemas.openxmlformats.org/officeDocument/2006/relationships" xmlns:p="http://schemas.openxmlformats.org/presentationml/2006/main">
-  <p:cSld>
-    <p:spTree>
-      <p:nvGrpSpPr>
-        <p:cNvPr id="1" name=""/>
-        <p:cNvGrpSpPr/>
-        <p:nvPr/>
-      </p:nvGrpSpPr>
-      <p:grpSpPr>
-        <a:xfrm>
-          <a:off x="0" y="0"/>
-          <a:ext cx="0" cy="0"/>
-          <a:chOff x="0" y="0"/>
-          <a:chExt cx="0" cy="0"/>
-        </a:xfrm>
-      </p:grpSpPr>
-      <p:sp>
-        <p:nvSpPr>
-          <p:cNvPr id="2" name="Title 1"/>
-          <p:cNvSpPr>
-            <a:spLocks noGrp="1"/>
-          </p:cNvSpPr>
-          <p:nvPr>
-            <p:ph type="ctrTitle"/>
-          </p:nvPr>
-        </p:nvSpPr>
-        <p:spPr/>
-        <p:txBody>
-          <a:bodyPr/>
-          <a:lstStyle/>
-          <a:p>
-            <a:r>
-              <a:rPr lang="en-US" dirty="0" smtClean="0"/>
-              <a:t>CEPH CRUSH ALGORITHM AND PLACEMENT GROUPS</a:t>
-            </a:r>
-            <a:endParaRPr lang="en-US" dirty="0"/>
-          </a:p>
-        </p:txBody>
-      </p:sp>
-      <p:sp>
-        <p:nvSpPr>
-          <p:cNvPr id="3" name="Subtitle 2"/>
-          <p:cNvSpPr>
-            <a:spLocks noGrp="1"/>
-          </p:cNvSpPr>
-          <p:nvPr>
-            <p:ph type="subTitle" idx="1"/>
-          </p:nvPr>
-        </p:nvSpPr>
-        <p:spPr/>
-        <p:txBody>
-          <a:bodyPr/>
-          <a:lstStyle/>
-          <a:p>
-            <a:endParaRPr lang="en-US" dirty="0"/>
-          </a:p>
-        </p:txBody>
-      </p:sp>
-    </p:spTree>
-    <p:extLst>
-      <p:ext uri="{BB962C8B-B14F-4D97-AF65-F5344CB8AC3E}">
-        <p14:creationId xmlns:p14="http://schemas.microsoft.com/office/powerpoint/2010/main" val="2407094929"/>
-      </p:ext>
-    </p:extLst>
-  </p:cSld>
-  <p:clrMapOvr>
-    <a:masterClrMapping/>
-  </p:clrMapOvr>
-</p:sld>
-</file>
-
-<file path=ppt/slides/slide2.xml><?xml version="1.0" encoding="utf-8"?>
 <p:sld xmlns:a="http://schemas.openxmlformats.org/drawingml/2006/main" xmlns:r="http://schemas.openxmlformats.org/officeDocument/2006/relationships" xmlns:p="http://schemas.openxmlformats.org/presentationml/2006/main">
   <p:cSld>
     <p:spTree>
